--- a/oral_projet/diaporama_revues_samuel.pptx
+++ b/oral_projet/diaporama_revues_samuel.pptx
@@ -13,7 +13,7 @@
     <p:sldId id="258" r:id="rId4"/>
     <p:sldId id="260" r:id="rId5"/>
     <p:sldId id="262" r:id="rId6"/>
-    <p:sldId id="261" r:id="rId7"/>
+    <p:sldId id="263" r:id="rId7"/>
   </p:sldIdLst>
   <p:sldSz cx="12192000" cy="6858000"/>
   <p:notesSz cx="6858000" cy="9144000"/>
@@ -4512,13 +4512,13 @@
   <p:clrMapOvr>
     <a:masterClrMapping/>
   </p:clrMapOvr>
-  <mc:AlternateContent xmlns:mc="http://schemas.openxmlformats.org/markup-compatibility/2006">
-    <mc:Choice xmlns:p14="http://schemas.microsoft.com/office/powerpoint/2010/main" Requires="p14">
+  <mc:AlternateContent xmlns:mc="http://schemas.openxmlformats.org/markup-compatibility/2006" xmlns:p14="http://schemas.microsoft.com/office/powerpoint/2010/main">
+    <mc:Choice Requires="p14">
       <p:transition spd="slow">
         <p14:reveal/>
       </p:transition>
     </mc:Choice>
-    <mc:Fallback>
+    <mc:Fallback xmlns="">
       <p:transition spd="slow">
         <p:fade/>
       </p:transition>
@@ -5828,13 +5828,13 @@
   <p:clrMapOvr>
     <a:masterClrMapping/>
   </p:clrMapOvr>
-  <mc:AlternateContent xmlns:mc="http://schemas.openxmlformats.org/markup-compatibility/2006">
-    <mc:Choice xmlns:p14="http://schemas.microsoft.com/office/powerpoint/2010/main" Requires="p14">
+  <mc:AlternateContent xmlns:mc="http://schemas.openxmlformats.org/markup-compatibility/2006" xmlns:p14="http://schemas.microsoft.com/office/powerpoint/2010/main">
+    <mc:Choice Requires="p14">
       <p:transition spd="slow" p14:dur="3400">
         <p14:reveal/>
       </p:transition>
     </mc:Choice>
-    <mc:Fallback>
+    <mc:Fallback xmlns="">
       <p:transition spd="slow">
         <p:fade/>
       </p:transition>
@@ -7676,13 +7676,13 @@
   <p:clrMapOvr>
     <a:masterClrMapping/>
   </p:clrMapOvr>
-  <mc:AlternateContent xmlns:mc="http://schemas.openxmlformats.org/markup-compatibility/2006">
-    <mc:Choice xmlns:p14="http://schemas.microsoft.com/office/powerpoint/2010/main" Requires="p14">
+  <mc:AlternateContent xmlns:mc="http://schemas.openxmlformats.org/markup-compatibility/2006" xmlns:p14="http://schemas.microsoft.com/office/powerpoint/2010/main">
+    <mc:Choice Requires="p14">
       <p:transition spd="slow">
         <p14:reveal/>
       </p:transition>
     </mc:Choice>
-    <mc:Fallback>
+    <mc:Fallback xmlns="">
       <p:transition spd="slow">
         <p:fade/>
       </p:transition>
@@ -8200,13 +8200,13 @@
   <p:clrMapOvr>
     <a:masterClrMapping/>
   </p:clrMapOvr>
-  <mc:AlternateContent xmlns:mc="http://schemas.openxmlformats.org/markup-compatibility/2006">
-    <mc:Choice xmlns:p14="http://schemas.microsoft.com/office/powerpoint/2010/main" Requires="p14">
+  <mc:AlternateContent xmlns:mc="http://schemas.openxmlformats.org/markup-compatibility/2006" xmlns:p14="http://schemas.microsoft.com/office/powerpoint/2010/main">
+    <mc:Choice Requires="p14">
       <p:transition spd="slow">
         <p14:reveal/>
       </p:transition>
     </mc:Choice>
-    <mc:Fallback>
+    <mc:Fallback xmlns="">
       <p:transition spd="slow">
         <p:fade/>
       </p:transition>
@@ -8232,10 +8232,424 @@
           <a:chExt cx="0" cy="0"/>
         </a:xfrm>
       </p:grpSpPr>
+      <p:pic>
+        <p:nvPicPr>
+          <p:cNvPr id="8" name="Image 7">
+            <a:extLst>
+              <a:ext uri="{FF2B5EF4-FFF2-40B4-BE49-F238E27FC236}">
+                <a16:creationId xmlns:a16="http://schemas.microsoft.com/office/drawing/2014/main" id="{2BB825C5-31DA-4A56-85EA-536DBF510A31}"/>
+              </a:ext>
+            </a:extLst>
+          </p:cNvPr>
+          <p:cNvPicPr>
+            <a:picLocks noChangeAspect="1"/>
+          </p:cNvPicPr>
+          <p:nvPr/>
+        </p:nvPicPr>
+        <p:blipFill>
+          <a:blip r:embed="rId2">
+            <a:extLst>
+              <a:ext uri="{28A0092B-C50C-407E-A947-70E740481C1C}">
+                <a14:useLocalDpi xmlns:a14="http://schemas.microsoft.com/office/drawing/2010/main" val="0"/>
+              </a:ext>
+            </a:extLst>
+          </a:blip>
+          <a:stretch>
+            <a:fillRect/>
+          </a:stretch>
+        </p:blipFill>
+        <p:spPr>
+          <a:xfrm>
+            <a:off x="1068751" y="66457"/>
+            <a:ext cx="1259497" cy="776690"/>
+          </a:xfrm>
+          <a:prstGeom prst="rect">
+            <a:avLst/>
+          </a:prstGeom>
+        </p:spPr>
+      </p:pic>
+      <p:pic>
+        <p:nvPicPr>
+          <p:cNvPr id="10" name="Image 9">
+            <a:extLst>
+              <a:ext uri="{FF2B5EF4-FFF2-40B4-BE49-F238E27FC236}">
+                <a16:creationId xmlns:a16="http://schemas.microsoft.com/office/drawing/2014/main" id="{8EE7436F-49F2-41E0-93E4-D247B4705294}"/>
+              </a:ext>
+            </a:extLst>
+          </p:cNvPr>
+          <p:cNvPicPr>
+            <a:picLocks noChangeAspect="1"/>
+          </p:cNvPicPr>
+          <p:nvPr/>
+        </p:nvPicPr>
+        <p:blipFill>
+          <a:blip r:embed="rId3">
+            <a:extLst>
+              <a:ext uri="{28A0092B-C50C-407E-A947-70E740481C1C}">
+                <a14:useLocalDpi xmlns:a14="http://schemas.microsoft.com/office/drawing/2010/main" val="0"/>
+              </a:ext>
+            </a:extLst>
+          </a:blip>
+          <a:stretch>
+            <a:fillRect/>
+          </a:stretch>
+        </p:blipFill>
+        <p:spPr>
+          <a:xfrm>
+            <a:off x="9681085" y="238153"/>
+            <a:ext cx="1802101" cy="569807"/>
+          </a:xfrm>
+          <a:prstGeom prst="rect">
+            <a:avLst/>
+          </a:prstGeom>
+        </p:spPr>
+      </p:pic>
+      <p:cxnSp>
+        <p:nvCxnSpPr>
+          <p:cNvPr id="16" name="Connecteur droit 15">
+            <a:extLst>
+              <a:ext uri="{FF2B5EF4-FFF2-40B4-BE49-F238E27FC236}">
+                <a16:creationId xmlns:a16="http://schemas.microsoft.com/office/drawing/2014/main" id="{7319284A-BD6F-4A96-8E2B-E0A4B52E53C6}"/>
+              </a:ext>
+            </a:extLst>
+          </p:cNvPr>
+          <p:cNvCxnSpPr>
+            <a:cxnSpLocks/>
+          </p:cNvCxnSpPr>
+          <p:nvPr/>
+        </p:nvCxnSpPr>
+        <p:spPr>
+          <a:xfrm flipV="1">
+            <a:off x="0" y="454803"/>
+            <a:ext cx="738231" cy="1798"/>
+          </a:xfrm>
+          <a:prstGeom prst="line">
+            <a:avLst/>
+          </a:prstGeom>
+        </p:spPr>
+        <p:style>
+          <a:lnRef idx="3">
+            <a:schemeClr val="dk1"/>
+          </a:lnRef>
+          <a:fillRef idx="0">
+            <a:schemeClr val="dk1"/>
+          </a:fillRef>
+          <a:effectRef idx="2">
+            <a:schemeClr val="dk1"/>
+          </a:effectRef>
+          <a:fontRef idx="minor">
+            <a:schemeClr val="tx1"/>
+          </a:fontRef>
+        </p:style>
+      </p:cxnSp>
+      <p:cxnSp>
+        <p:nvCxnSpPr>
+          <p:cNvPr id="20" name="Connecteur droit 19">
+            <a:extLst>
+              <a:ext uri="{FF2B5EF4-FFF2-40B4-BE49-F238E27FC236}">
+                <a16:creationId xmlns:a16="http://schemas.microsoft.com/office/drawing/2014/main" id="{08874CF7-F149-4C81-B61E-74E18342BA8A}"/>
+              </a:ext>
+            </a:extLst>
+          </p:cNvPr>
+          <p:cNvCxnSpPr>
+            <a:cxnSpLocks/>
+          </p:cNvCxnSpPr>
+          <p:nvPr/>
+        </p:nvCxnSpPr>
+        <p:spPr>
+          <a:xfrm>
+            <a:off x="2573222" y="454803"/>
+            <a:ext cx="6829482" cy="10398"/>
+          </a:xfrm>
+          <a:prstGeom prst="line">
+            <a:avLst/>
+          </a:prstGeom>
+        </p:spPr>
+        <p:style>
+          <a:lnRef idx="3">
+            <a:schemeClr val="dk1"/>
+          </a:lnRef>
+          <a:fillRef idx="0">
+            <a:schemeClr val="dk1"/>
+          </a:fillRef>
+          <a:effectRef idx="2">
+            <a:schemeClr val="dk1"/>
+          </a:effectRef>
+          <a:fontRef idx="minor">
+            <a:schemeClr val="tx1"/>
+          </a:fontRef>
+        </p:style>
+      </p:cxnSp>
+      <p:cxnSp>
+        <p:nvCxnSpPr>
+          <p:cNvPr id="26" name="Connecteur droit 25">
+            <a:extLst>
+              <a:ext uri="{FF2B5EF4-FFF2-40B4-BE49-F238E27FC236}">
+                <a16:creationId xmlns:a16="http://schemas.microsoft.com/office/drawing/2014/main" id="{BB3B35CC-057B-48C1-880F-3306A6559175}"/>
+              </a:ext>
+            </a:extLst>
+          </p:cNvPr>
+          <p:cNvCxnSpPr>
+            <a:cxnSpLocks/>
+          </p:cNvCxnSpPr>
+          <p:nvPr/>
+        </p:nvCxnSpPr>
+        <p:spPr>
+          <a:xfrm>
+            <a:off x="738231" y="454803"/>
+            <a:ext cx="344203" cy="484764"/>
+          </a:xfrm>
+          <a:prstGeom prst="line">
+            <a:avLst/>
+          </a:prstGeom>
+        </p:spPr>
+        <p:style>
+          <a:lnRef idx="3">
+            <a:schemeClr val="dk1"/>
+          </a:lnRef>
+          <a:fillRef idx="0">
+            <a:schemeClr val="dk1"/>
+          </a:fillRef>
+          <a:effectRef idx="2">
+            <a:schemeClr val="dk1"/>
+          </a:effectRef>
+          <a:fontRef idx="minor">
+            <a:schemeClr val="tx1"/>
+          </a:fontRef>
+        </p:style>
+      </p:cxnSp>
+      <p:cxnSp>
+        <p:nvCxnSpPr>
+          <p:cNvPr id="32" name="Connecteur droit 31">
+            <a:extLst>
+              <a:ext uri="{FF2B5EF4-FFF2-40B4-BE49-F238E27FC236}">
+                <a16:creationId xmlns:a16="http://schemas.microsoft.com/office/drawing/2014/main" id="{4AD96496-1EB6-4E48-9BB2-5C255495C686}"/>
+              </a:ext>
+            </a:extLst>
+          </p:cNvPr>
+          <p:cNvCxnSpPr>
+            <a:cxnSpLocks/>
+          </p:cNvCxnSpPr>
+          <p:nvPr/>
+        </p:nvCxnSpPr>
+        <p:spPr>
+          <a:xfrm>
+            <a:off x="1082434" y="938268"/>
+            <a:ext cx="1146585" cy="0"/>
+          </a:xfrm>
+          <a:prstGeom prst="line">
+            <a:avLst/>
+          </a:prstGeom>
+        </p:spPr>
+        <p:style>
+          <a:lnRef idx="3">
+            <a:schemeClr val="dk1"/>
+          </a:lnRef>
+          <a:fillRef idx="0">
+            <a:schemeClr val="dk1"/>
+          </a:fillRef>
+          <a:effectRef idx="2">
+            <a:schemeClr val="dk1"/>
+          </a:effectRef>
+          <a:fontRef idx="minor">
+            <a:schemeClr val="tx1"/>
+          </a:fontRef>
+        </p:style>
+      </p:cxnSp>
+      <p:cxnSp>
+        <p:nvCxnSpPr>
+          <p:cNvPr id="51" name="Connecteur droit 50">
+            <a:extLst>
+              <a:ext uri="{FF2B5EF4-FFF2-40B4-BE49-F238E27FC236}">
+                <a16:creationId xmlns:a16="http://schemas.microsoft.com/office/drawing/2014/main" id="{C035BFA6-ECBF-4775-BA81-19D2CA41AA8D}"/>
+              </a:ext>
+            </a:extLst>
+          </p:cNvPr>
+          <p:cNvCxnSpPr>
+            <a:cxnSpLocks/>
+          </p:cNvCxnSpPr>
+          <p:nvPr/>
+        </p:nvCxnSpPr>
+        <p:spPr>
+          <a:xfrm>
+            <a:off x="9402704" y="465201"/>
+            <a:ext cx="344203" cy="495163"/>
+          </a:xfrm>
+          <a:prstGeom prst="line">
+            <a:avLst/>
+          </a:prstGeom>
+        </p:spPr>
+        <p:style>
+          <a:lnRef idx="3">
+            <a:schemeClr val="dk1"/>
+          </a:lnRef>
+          <a:fillRef idx="0">
+            <a:schemeClr val="dk1"/>
+          </a:fillRef>
+          <a:effectRef idx="2">
+            <a:schemeClr val="dk1"/>
+          </a:effectRef>
+          <a:fontRef idx="minor">
+            <a:schemeClr val="tx1"/>
+          </a:fontRef>
+        </p:style>
+      </p:cxnSp>
+      <p:cxnSp>
+        <p:nvCxnSpPr>
+          <p:cNvPr id="52" name="Connecteur droit 51">
+            <a:extLst>
+              <a:ext uri="{FF2B5EF4-FFF2-40B4-BE49-F238E27FC236}">
+                <a16:creationId xmlns:a16="http://schemas.microsoft.com/office/drawing/2014/main" id="{FA310BC7-694B-4984-99A2-61A1F4F6EBF9}"/>
+              </a:ext>
+            </a:extLst>
+          </p:cNvPr>
+          <p:cNvCxnSpPr>
+            <a:cxnSpLocks/>
+          </p:cNvCxnSpPr>
+          <p:nvPr/>
+        </p:nvCxnSpPr>
+        <p:spPr>
+          <a:xfrm flipH="1">
+            <a:off x="11370469" y="448308"/>
+            <a:ext cx="364332" cy="501657"/>
+          </a:xfrm>
+          <a:prstGeom prst="line">
+            <a:avLst/>
+          </a:prstGeom>
+        </p:spPr>
+        <p:style>
+          <a:lnRef idx="3">
+            <a:schemeClr val="dk1"/>
+          </a:lnRef>
+          <a:fillRef idx="0">
+            <a:schemeClr val="dk1"/>
+          </a:fillRef>
+          <a:effectRef idx="2">
+            <a:schemeClr val="dk1"/>
+          </a:effectRef>
+          <a:fontRef idx="minor">
+            <a:schemeClr val="tx1"/>
+          </a:fontRef>
+        </p:style>
+      </p:cxnSp>
+      <p:cxnSp>
+        <p:nvCxnSpPr>
+          <p:cNvPr id="53" name="Connecteur droit 52">
+            <a:extLst>
+              <a:ext uri="{FF2B5EF4-FFF2-40B4-BE49-F238E27FC236}">
+                <a16:creationId xmlns:a16="http://schemas.microsoft.com/office/drawing/2014/main" id="{BE0649BD-EE59-4DDA-960F-95B2572F9F13}"/>
+              </a:ext>
+            </a:extLst>
+          </p:cNvPr>
+          <p:cNvCxnSpPr>
+            <a:cxnSpLocks/>
+          </p:cNvCxnSpPr>
+          <p:nvPr/>
+        </p:nvCxnSpPr>
+        <p:spPr>
+          <a:xfrm>
+            <a:off x="9743203" y="949965"/>
+            <a:ext cx="1627266" cy="0"/>
+          </a:xfrm>
+          <a:prstGeom prst="line">
+            <a:avLst/>
+          </a:prstGeom>
+        </p:spPr>
+        <p:style>
+          <a:lnRef idx="3">
+            <a:schemeClr val="dk1"/>
+          </a:lnRef>
+          <a:fillRef idx="0">
+            <a:schemeClr val="dk1"/>
+          </a:fillRef>
+          <a:effectRef idx="2">
+            <a:schemeClr val="dk1"/>
+          </a:effectRef>
+          <a:fontRef idx="minor">
+            <a:schemeClr val="tx1"/>
+          </a:fontRef>
+        </p:style>
+      </p:cxnSp>
+      <p:cxnSp>
+        <p:nvCxnSpPr>
+          <p:cNvPr id="55" name="Connecteur droit 54">
+            <a:extLst>
+              <a:ext uri="{FF2B5EF4-FFF2-40B4-BE49-F238E27FC236}">
+                <a16:creationId xmlns:a16="http://schemas.microsoft.com/office/drawing/2014/main" id="{52AA9200-DAFA-4EEF-AC13-4C7CE82A59EC}"/>
+              </a:ext>
+            </a:extLst>
+          </p:cNvPr>
+          <p:cNvCxnSpPr>
+            <a:cxnSpLocks/>
+          </p:cNvCxnSpPr>
+          <p:nvPr/>
+        </p:nvCxnSpPr>
+        <p:spPr>
+          <a:xfrm>
+            <a:off x="11715750" y="454801"/>
+            <a:ext cx="476249" cy="10400"/>
+          </a:xfrm>
+          <a:prstGeom prst="line">
+            <a:avLst/>
+          </a:prstGeom>
+        </p:spPr>
+        <p:style>
+          <a:lnRef idx="3">
+            <a:schemeClr val="dk1"/>
+          </a:lnRef>
+          <a:fillRef idx="0">
+            <a:schemeClr val="dk1"/>
+          </a:fillRef>
+          <a:effectRef idx="2">
+            <a:schemeClr val="dk1"/>
+          </a:effectRef>
+          <a:fontRef idx="minor">
+            <a:schemeClr val="tx1"/>
+          </a:fontRef>
+        </p:style>
+      </p:cxnSp>
+      <p:cxnSp>
+        <p:nvCxnSpPr>
+          <p:cNvPr id="23" name="Connecteur droit 22">
+            <a:extLst>
+              <a:ext uri="{FF2B5EF4-FFF2-40B4-BE49-F238E27FC236}">
+                <a16:creationId xmlns:a16="http://schemas.microsoft.com/office/drawing/2014/main" id="{BCB092C8-0080-4E56-957E-0046D4C83988}"/>
+              </a:ext>
+            </a:extLst>
+          </p:cNvPr>
+          <p:cNvCxnSpPr>
+            <a:cxnSpLocks/>
+          </p:cNvCxnSpPr>
+          <p:nvPr/>
+        </p:nvCxnSpPr>
+        <p:spPr>
+          <a:xfrm flipH="1">
+            <a:off x="2216372" y="446356"/>
+            <a:ext cx="364332" cy="501657"/>
+          </a:xfrm>
+          <a:prstGeom prst="line">
+            <a:avLst/>
+          </a:prstGeom>
+        </p:spPr>
+        <p:style>
+          <a:lnRef idx="3">
+            <a:schemeClr val="dk1"/>
+          </a:lnRef>
+          <a:fillRef idx="0">
+            <a:schemeClr val="dk1"/>
+          </a:fillRef>
+          <a:effectRef idx="2">
+            <a:schemeClr val="dk1"/>
+          </a:effectRef>
+          <a:fontRef idx="minor">
+            <a:schemeClr val="tx1"/>
+          </a:fontRef>
+        </p:style>
+      </p:cxnSp>
     </p:spTree>
     <p:extLst>
       <p:ext uri="{BB962C8B-B14F-4D97-AF65-F5344CB8AC3E}">
-        <p14:creationId xmlns:p14="http://schemas.microsoft.com/office/powerpoint/2010/main" val="19465528"/>
+        <p14:creationId xmlns:p14="http://schemas.microsoft.com/office/powerpoint/2010/main" val="849001700"/>
       </p:ext>
     </p:extLst>
   </p:cSld>
@@ -8244,12 +8658,12 @@
   </p:clrMapOvr>
   <mc:AlternateContent xmlns:mc="http://schemas.openxmlformats.org/markup-compatibility/2006" xmlns:p14="http://schemas.microsoft.com/office/powerpoint/2010/main">
     <mc:Choice Requires="p14">
-      <p:transition spd="slow" advClick="0" advTm="1000">
+      <p:transition spd="slow">
         <p14:reveal/>
       </p:transition>
     </mc:Choice>
     <mc:Fallback xmlns="">
-      <p:transition spd="slow" advClick="0" advTm="1000">
+      <p:transition spd="slow">
         <p:fade/>
       </p:transition>
     </mc:Fallback>
